--- a/Group Project Phone Class.pptx
+++ b/Group Project Phone Class.pptx
@@ -115,6 +115,27 @@
     </p:ext>
   </p:extLst>
 </p:presentation>
+</file>
+
+<file path=ppt/changesInfos/changesInfo1.xml><?xml version="1.0" encoding="utf-8"?>
+<pc:chgInfo xmlns:a="http://schemas.openxmlformats.org/drawingml/2006/main" xmlns:r="http://schemas.openxmlformats.org/officeDocument/2006/relationships" xmlns:ac="http://schemas.microsoft.com/office/drawing/2013/main/command" xmlns:pc="http://schemas.microsoft.com/office/powerpoint/2013/main/command">
+  <pc:docChgLst>
+    <pc:chgData name="Joshua T. Morgan" userId="9cb0d7e56d8d96a3" providerId="LiveId" clId="{72DADEF6-9432-4B5E-925C-803C9F2A1172}"/>
+    <pc:docChg chg="addSld delSld">
+      <pc:chgData name="Joshua T. Morgan" userId="9cb0d7e56d8d96a3" providerId="LiveId" clId="{72DADEF6-9432-4B5E-925C-803C9F2A1172}" dt="2020-12-13T19:20:20.436" v="1" actId="47"/>
+      <pc:docMkLst>
+        <pc:docMk/>
+      </pc:docMkLst>
+      <pc:sldChg chg="add del">
+        <pc:chgData name="Joshua T. Morgan" userId="9cb0d7e56d8d96a3" providerId="LiveId" clId="{72DADEF6-9432-4B5E-925C-803C9F2A1172}" dt="2020-12-13T19:20:20.436" v="1" actId="47"/>
+        <pc:sldMkLst>
+          <pc:docMk/>
+          <pc:sldMk cId="1779520853" sldId="261"/>
+        </pc:sldMkLst>
+      </pc:sldChg>
+    </pc:docChg>
+  </pc:docChgLst>
+</pc:chgInfo>
 </file>
 
 <file path=ppt/slideLayouts/slideLayout1.xml><?xml version="1.0" encoding="utf-8"?>
@@ -2464,7 +2485,7 @@
           <a:p>
             <a:fld id="{3C04E684-10F4-4CC3-A0B9-F03AA7BE37CF}" type="datetimeFigureOut">
               <a:rPr lang="en-US" smtClean="0"/>
-              <a:t>12/5/2020</a:t>
+              <a:t>12/13/2020</a:t>
             </a:fld>
             <a:endParaRPr lang="en-US"/>
           </a:p>
@@ -4954,7 +4975,7 @@
           <a:p>
             <a:fld id="{3C04E684-10F4-4CC3-A0B9-F03AA7BE37CF}" type="datetimeFigureOut">
               <a:rPr lang="en-US" smtClean="0"/>
-              <a:t>12/5/2020</a:t>
+              <a:t>12/13/2020</a:t>
             </a:fld>
             <a:endParaRPr lang="en-US"/>
           </a:p>
@@ -5152,7 +5173,7 @@
           <a:p>
             <a:fld id="{3C04E684-10F4-4CC3-A0B9-F03AA7BE37CF}" type="datetimeFigureOut">
               <a:rPr lang="en-US" smtClean="0"/>
-              <a:t>12/5/2020</a:t>
+              <a:t>12/13/2020</a:t>
             </a:fld>
             <a:endParaRPr lang="en-US"/>
           </a:p>
@@ -5360,7 +5381,7 @@
           <a:p>
             <a:fld id="{3C04E684-10F4-4CC3-A0B9-F03AA7BE37CF}" type="datetimeFigureOut">
               <a:rPr lang="en-US" smtClean="0"/>
-              <a:t>12/5/2020</a:t>
+              <a:t>12/13/2020</a:t>
             </a:fld>
             <a:endParaRPr lang="en-US"/>
           </a:p>
@@ -5580,7 +5601,7 @@
           <a:p>
             <a:fld id="{198CEAF5-6B96-4EE9-BFE1-1AC6F92DB773}" type="datetimeFigureOut">
               <a:rPr lang="en-US" smtClean="0"/>
-              <a:t>12/5/2020</a:t>
+              <a:t>12/13/2020</a:t>
             </a:fld>
             <a:endParaRPr lang="en-US"/>
           </a:p>
@@ -5778,7 +5799,7 @@
           <a:p>
             <a:fld id="{198CEAF5-6B96-4EE9-BFE1-1AC6F92DB773}" type="datetimeFigureOut">
               <a:rPr lang="en-US" smtClean="0"/>
-              <a:t>12/5/2020</a:t>
+              <a:t>12/13/2020</a:t>
             </a:fld>
             <a:endParaRPr lang="en-US"/>
           </a:p>
@@ -6053,7 +6074,7 @@
           <a:p>
             <a:fld id="{198CEAF5-6B96-4EE9-BFE1-1AC6F92DB773}" type="datetimeFigureOut">
               <a:rPr lang="en-US" smtClean="0"/>
-              <a:t>12/5/2020</a:t>
+              <a:t>12/13/2020</a:t>
             </a:fld>
             <a:endParaRPr lang="en-US"/>
           </a:p>
@@ -6318,7 +6339,7 @@
           <a:p>
             <a:fld id="{198CEAF5-6B96-4EE9-BFE1-1AC6F92DB773}" type="datetimeFigureOut">
               <a:rPr lang="en-US" smtClean="0"/>
-              <a:t>12/5/2020</a:t>
+              <a:t>12/13/2020</a:t>
             </a:fld>
             <a:endParaRPr lang="en-US"/>
           </a:p>
@@ -6730,7 +6751,7 @@
           <a:p>
             <a:fld id="{198CEAF5-6B96-4EE9-BFE1-1AC6F92DB773}" type="datetimeFigureOut">
               <a:rPr lang="en-US" smtClean="0"/>
-              <a:t>12/5/2020</a:t>
+              <a:t>12/13/2020</a:t>
             </a:fld>
             <a:endParaRPr lang="en-US"/>
           </a:p>
@@ -6871,7 +6892,7 @@
           <a:p>
             <a:fld id="{198CEAF5-6B96-4EE9-BFE1-1AC6F92DB773}" type="datetimeFigureOut">
               <a:rPr lang="en-US" smtClean="0"/>
-              <a:t>12/5/2020</a:t>
+              <a:t>12/13/2020</a:t>
             </a:fld>
             <a:endParaRPr lang="en-US"/>
           </a:p>
@@ -6984,7 +7005,7 @@
           <a:p>
             <a:fld id="{198CEAF5-6B96-4EE9-BFE1-1AC6F92DB773}" type="datetimeFigureOut">
               <a:rPr lang="en-US" smtClean="0"/>
-              <a:t>12/5/2020</a:t>
+              <a:t>12/13/2020</a:t>
             </a:fld>
             <a:endParaRPr lang="en-US"/>
           </a:p>
@@ -7721,7 +7742,7 @@
           <a:p>
             <a:fld id="{3C04E684-10F4-4CC3-A0B9-F03AA7BE37CF}" type="datetimeFigureOut">
               <a:rPr lang="en-US" smtClean="0"/>
-              <a:t>12/5/2020</a:t>
+              <a:t>12/13/2020</a:t>
             </a:fld>
             <a:endParaRPr lang="en-US"/>
           </a:p>
@@ -8032,7 +8053,7 @@
           <a:p>
             <a:fld id="{198CEAF5-6B96-4EE9-BFE1-1AC6F92DB773}" type="datetimeFigureOut">
               <a:rPr lang="en-US" smtClean="0"/>
-              <a:t>12/5/2020</a:t>
+              <a:t>12/13/2020</a:t>
             </a:fld>
             <a:endParaRPr lang="en-US"/>
           </a:p>
@@ -8320,7 +8341,7 @@
           <a:p>
             <a:fld id="{198CEAF5-6B96-4EE9-BFE1-1AC6F92DB773}" type="datetimeFigureOut">
               <a:rPr lang="en-US" smtClean="0"/>
-              <a:t>12/5/2020</a:t>
+              <a:t>12/13/2020</a:t>
             </a:fld>
             <a:endParaRPr lang="en-US"/>
           </a:p>
@@ -8518,7 +8539,7 @@
           <a:p>
             <a:fld id="{198CEAF5-6B96-4EE9-BFE1-1AC6F92DB773}" type="datetimeFigureOut">
               <a:rPr lang="en-US" smtClean="0"/>
-              <a:t>12/5/2020</a:t>
+              <a:t>12/13/2020</a:t>
             </a:fld>
             <a:endParaRPr lang="en-US"/>
           </a:p>
@@ -8726,7 +8747,7 @@
           <a:p>
             <a:fld id="{198CEAF5-6B96-4EE9-BFE1-1AC6F92DB773}" type="datetimeFigureOut">
               <a:rPr lang="en-US" smtClean="0"/>
-              <a:t>12/5/2020</a:t>
+              <a:t>12/13/2020</a:t>
             </a:fld>
             <a:endParaRPr lang="en-US"/>
           </a:p>
@@ -9368,7 +9389,7 @@
           <a:p>
             <a:fld id="{3C04E684-10F4-4CC3-A0B9-F03AA7BE37CF}" type="datetimeFigureOut">
               <a:rPr lang="en-US" smtClean="0"/>
-              <a:t>12/5/2020</a:t>
+              <a:t>12/13/2020</a:t>
             </a:fld>
             <a:endParaRPr lang="en-US"/>
           </a:p>
@@ -10168,7 +10189,7 @@
           <a:p>
             <a:fld id="{3C04E684-10F4-4CC3-A0B9-F03AA7BE37CF}" type="datetimeFigureOut">
               <a:rPr lang="en-US" smtClean="0"/>
-              <a:t>12/5/2020</a:t>
+              <a:t>12/13/2020</a:t>
             </a:fld>
             <a:endParaRPr lang="en-US"/>
           </a:p>
@@ -11119,7 +11140,7 @@
           <a:p>
             <a:fld id="{3C04E684-10F4-4CC3-A0B9-F03AA7BE37CF}" type="datetimeFigureOut">
               <a:rPr lang="en-US" smtClean="0"/>
-              <a:t>12/5/2020</a:t>
+              <a:t>12/13/2020</a:t>
             </a:fld>
             <a:endParaRPr lang="en-US"/>
           </a:p>
@@ -13468,7 +13489,7 @@
           <a:p>
             <a:fld id="{3C04E684-10F4-4CC3-A0B9-F03AA7BE37CF}" type="datetimeFigureOut">
               <a:rPr lang="en-US" smtClean="0"/>
-              <a:t>12/5/2020</a:t>
+              <a:t>12/13/2020</a:t>
             </a:fld>
             <a:endParaRPr lang="en-US"/>
           </a:p>
@@ -13581,7 +13602,7 @@
           <a:p>
             <a:fld id="{3C04E684-10F4-4CC3-A0B9-F03AA7BE37CF}" type="datetimeFigureOut">
               <a:rPr lang="en-US" smtClean="0"/>
-              <a:t>12/5/2020</a:t>
+              <a:t>12/13/2020</a:t>
             </a:fld>
             <a:endParaRPr lang="en-US"/>
           </a:p>
@@ -14088,7 +14109,7 @@
           <a:p>
             <a:fld id="{3C04E684-10F4-4CC3-A0B9-F03AA7BE37CF}" type="datetimeFigureOut">
               <a:rPr lang="en-US" smtClean="0"/>
-              <a:t>12/5/2020</a:t>
+              <a:t>12/13/2020</a:t>
             </a:fld>
             <a:endParaRPr lang="en-US"/>
           </a:p>
@@ -15391,7 +15412,7 @@
           <a:p>
             <a:fld id="{3C04E684-10F4-4CC3-A0B9-F03AA7BE37CF}" type="datetimeFigureOut">
               <a:rPr lang="en-US" smtClean="0"/>
-              <a:t>12/5/2020</a:t>
+              <a:t>12/13/2020</a:t>
             </a:fld>
             <a:endParaRPr lang="en-US"/>
           </a:p>
@@ -15638,7 +15659,7 @@
           <a:p>
             <a:fld id="{3C04E684-10F4-4CC3-A0B9-F03AA7BE37CF}" type="datetimeFigureOut">
               <a:rPr lang="en-US" smtClean="0"/>
-              <a:t>12/5/2020</a:t>
+              <a:t>12/13/2020</a:t>
             </a:fld>
             <a:endParaRPr lang="en-US"/>
           </a:p>
@@ -16207,7 +16228,7 @@
           <a:p>
             <a:fld id="{198CEAF5-6B96-4EE9-BFE1-1AC6F92DB773}" type="datetimeFigureOut">
               <a:rPr lang="en-US" smtClean="0"/>
-              <a:t>12/5/2020</a:t>
+              <a:t>12/13/2020</a:t>
             </a:fld>
             <a:endParaRPr lang="en-US"/>
           </a:p>
@@ -16999,21 +17020,8 @@
                   <a:schemeClr val="bg1"/>
                 </a:solidFill>
               </a:rPr>
-              <a:t>The Phone class’s purpose is to define the different phone options available to the users, and </a:t>
+              <a:t>The Phone class’s purpose is to define the different phone options available to the users, and their respective price.</a:t>
             </a:r>
-            <a:r>
-              <a:rPr lang="en-US" sz="2800" cap="none">
-                <a:solidFill>
-                  <a:schemeClr val="bg1"/>
-                </a:solidFill>
-              </a:rPr>
-              <a:t>their respective price.</a:t>
-            </a:r>
-            <a:endParaRPr lang="en-US" sz="2800" cap="none" dirty="0">
-              <a:solidFill>
-                <a:schemeClr val="bg1"/>
-              </a:solidFill>
-            </a:endParaRPr>
           </a:p>
           <a:p>
             <a:r>
